--- a/Tall_Moustapha_7_presentation.pptx
+++ b/Tall_Moustapha_7_presentation.pptx
@@ -15,8 +15,10 @@
     <p:sldId id="274" r:id="rId9"/>
     <p:sldId id="276" r:id="rId10"/>
     <p:sldId id="275" r:id="rId11"/>
-    <p:sldId id="265" r:id="rId12"/>
-    <p:sldId id="273" r:id="rId13"/>
+    <p:sldId id="277" r:id="rId12"/>
+    <p:sldId id="278" r:id="rId13"/>
+    <p:sldId id="265" r:id="rId14"/>
+    <p:sldId id="273" r:id="rId15"/>
   </p:sldIdLst>
   <p:sldSz cx="12192000" cy="6858000"/>
   <p:notesSz cx="12192000" cy="6858000"/>
@@ -287,7 +289,7 @@
           <a:p>
             <a:fld id="{1D8BD707-D9CF-40AE-B4C6-C98DA3205C09}" type="datetimeFigureOut">
               <a:rPr lang="en-US"/>
-              <a:t>12/13/2024</a:t>
+              <a:t>1/9/2025</a:t>
             </a:fld>
             <a:endParaRPr lang="en-US"/>
           </a:p>
@@ -462,7 +464,7 @@
           <a:p>
             <a:fld id="{1D8BD707-D9CF-40AE-B4C6-C98DA3205C09}" type="datetimeFigureOut">
               <a:rPr lang="en-US"/>
-              <a:t>12/13/2024</a:t>
+              <a:t>1/9/2025</a:t>
             </a:fld>
             <a:endParaRPr lang="en-US"/>
           </a:p>
@@ -676,7 +678,7 @@
           <a:p>
             <a:fld id="{1D8BD707-D9CF-40AE-B4C6-C98DA3205C09}" type="datetimeFigureOut">
               <a:rPr lang="en-US"/>
-              <a:t>12/13/2024</a:t>
+              <a:t>1/9/2025</a:t>
             </a:fld>
             <a:endParaRPr lang="en-US"/>
           </a:p>
@@ -918,7 +920,7 @@
           <a:p>
             <a:fld id="{1D8BD707-D9CF-40AE-B4C6-C98DA3205C09}" type="datetimeFigureOut">
               <a:rPr lang="en-US"/>
-              <a:t>12/13/2024</a:t>
+              <a:t>1/9/2025</a:t>
             </a:fld>
             <a:endParaRPr lang="en-US"/>
           </a:p>
@@ -1037,7 +1039,7 @@
           <a:p>
             <a:fld id="{1D8BD707-D9CF-40AE-B4C6-C98DA3205C09}" type="datetimeFigureOut">
               <a:rPr lang="en-US"/>
-              <a:t>12/13/2024</a:t>
+              <a:t>1/9/2025</a:t>
             </a:fld>
             <a:endParaRPr lang="en-US"/>
           </a:p>
@@ -1346,7 +1348,7 @@
           <a:p>
             <a:fld id="{1D8BD707-D9CF-40AE-B4C6-C98DA3205C09}" type="datetimeFigureOut">
               <a:rPr lang="en-US"/>
-              <a:t>12/13/2024</a:t>
+              <a:t>1/9/2025</a:t>
             </a:fld>
             <a:endParaRPr lang="en-US"/>
           </a:p>
@@ -1914,6 +1916,263 @@
 </file>
 
 <file path=ppt/slides/slide11.xml><?xml version="1.0" encoding="utf-8"?>
+<p:sld xmlns:a="http://schemas.openxmlformats.org/drawingml/2006/main" xmlns:r="http://schemas.openxmlformats.org/officeDocument/2006/relationships" xmlns:p="http://schemas.openxmlformats.org/presentationml/2006/main">
+  <p:cSld>
+    <p:spTree>
+      <p:nvGrpSpPr>
+        <p:cNvPr id="1" name=""/>
+        <p:cNvGrpSpPr/>
+        <p:nvPr/>
+      </p:nvGrpSpPr>
+      <p:grpSpPr>
+        <a:xfrm>
+          <a:off x="0" y="0"/>
+          <a:ext cx="0" cy="0"/>
+          <a:chOff x="0" y="0"/>
+          <a:chExt cx="0" cy="0"/>
+        </a:xfrm>
+      </p:grpSpPr>
+      <p:sp>
+        <p:nvSpPr>
+          <p:cNvPr id="2" name="Titre 1">
+            <a:extLst>
+              <a:ext uri="{FF2B5EF4-FFF2-40B4-BE49-F238E27FC236}">
+                <a16:creationId xmlns:a16="http://schemas.microsoft.com/office/drawing/2014/main" id="{851A8C8D-BAEB-EAF2-E8E8-05650C1B8B97}"/>
+              </a:ext>
+            </a:extLst>
+          </p:cNvPr>
+          <p:cNvSpPr>
+            <a:spLocks noGrp="1"/>
+          </p:cNvSpPr>
+          <p:nvPr>
+            <p:ph type="title"/>
+          </p:nvPr>
+        </p:nvSpPr>
+        <p:spPr>
+          <a:xfrm>
+            <a:off x="548232" y="435394"/>
+            <a:ext cx="8396529" cy="738664"/>
+          </a:xfrm>
+        </p:spPr>
+        <p:txBody>
+          <a:bodyPr/>
+          <a:lstStyle/>
+          <a:p>
+            <a:r>
+              <a:rPr lang="fr-FR" dirty="0"/>
+              <a:t>Affichage des contributions des </a:t>
+            </a:r>
+            <a:r>
+              <a:rPr lang="fr-FR" dirty="0" err="1"/>
+              <a:t>features</a:t>
+            </a:r>
+            <a:r>
+              <a:rPr lang="fr-FR" dirty="0"/>
+              <a:t> avec SHAP ET TEST UNITAIRE </a:t>
+            </a:r>
+          </a:p>
+        </p:txBody>
+      </p:sp>
+      <p:pic>
+        <p:nvPicPr>
+          <p:cNvPr id="5" name="Image 4">
+            <a:extLst>
+              <a:ext uri="{FF2B5EF4-FFF2-40B4-BE49-F238E27FC236}">
+                <a16:creationId xmlns:a16="http://schemas.microsoft.com/office/drawing/2014/main" id="{BE2D8B46-529C-C06E-E374-EAFB12EB7594}"/>
+              </a:ext>
+            </a:extLst>
+          </p:cNvPr>
+          <p:cNvPicPr>
+            <a:picLocks noChangeAspect="1"/>
+          </p:cNvPicPr>
+          <p:nvPr/>
+        </p:nvPicPr>
+        <p:blipFill>
+          <a:blip r:embed="rId2"/>
+          <a:stretch>
+            <a:fillRect/>
+          </a:stretch>
+        </p:blipFill>
+        <p:spPr>
+          <a:xfrm>
+            <a:off x="464732" y="1621155"/>
+            <a:ext cx="5980800" cy="4742238"/>
+          </a:xfrm>
+          <a:prstGeom prst="rect">
+            <a:avLst/>
+          </a:prstGeom>
+        </p:spPr>
+      </p:pic>
+      <p:pic>
+        <p:nvPicPr>
+          <p:cNvPr id="7" name="Image 6">
+            <a:extLst>
+              <a:ext uri="{FF2B5EF4-FFF2-40B4-BE49-F238E27FC236}">
+                <a16:creationId xmlns:a16="http://schemas.microsoft.com/office/drawing/2014/main" id="{D88EBB1A-8CA5-CB3B-4E4B-BB10C3471498}"/>
+              </a:ext>
+            </a:extLst>
+          </p:cNvPr>
+          <p:cNvPicPr>
+            <a:picLocks noChangeAspect="1"/>
+          </p:cNvPicPr>
+          <p:nvPr/>
+        </p:nvPicPr>
+        <p:blipFill>
+          <a:blip r:embed="rId3"/>
+          <a:stretch>
+            <a:fillRect/>
+          </a:stretch>
+        </p:blipFill>
+        <p:spPr>
+          <a:xfrm>
+            <a:off x="7162800" y="3429000"/>
+            <a:ext cx="3629025" cy="819150"/>
+          </a:xfrm>
+          <a:prstGeom prst="rect">
+            <a:avLst/>
+          </a:prstGeom>
+        </p:spPr>
+      </p:pic>
+    </p:spTree>
+    <p:extLst>
+      <p:ext uri="{BB962C8B-B14F-4D97-AF65-F5344CB8AC3E}">
+        <p14:creationId xmlns:p14="http://schemas.microsoft.com/office/powerpoint/2010/main" val="1986121882"/>
+      </p:ext>
+    </p:extLst>
+  </p:cSld>
+  <p:clrMapOvr>
+    <a:masterClrMapping/>
+  </p:clrMapOvr>
+</p:sld>
+</file>
+
+<file path=ppt/slides/slide12.xml><?xml version="1.0" encoding="utf-8"?>
+<p:sld xmlns:a="http://schemas.openxmlformats.org/drawingml/2006/main" xmlns:r="http://schemas.openxmlformats.org/officeDocument/2006/relationships" xmlns:p="http://schemas.openxmlformats.org/presentationml/2006/main">
+  <p:cSld>
+    <p:spTree>
+      <p:nvGrpSpPr>
+        <p:cNvPr id="1" name=""/>
+        <p:cNvGrpSpPr/>
+        <p:nvPr/>
+      </p:nvGrpSpPr>
+      <p:grpSpPr>
+        <a:xfrm>
+          <a:off x="0" y="0"/>
+          <a:ext cx="0" cy="0"/>
+          <a:chOff x="0" y="0"/>
+          <a:chExt cx="0" cy="0"/>
+        </a:xfrm>
+      </p:grpSpPr>
+      <p:sp>
+        <p:nvSpPr>
+          <p:cNvPr id="2" name="Titre 1">
+            <a:extLst>
+              <a:ext uri="{FF2B5EF4-FFF2-40B4-BE49-F238E27FC236}">
+                <a16:creationId xmlns:a16="http://schemas.microsoft.com/office/drawing/2014/main" id="{130BA542-98D1-98CE-9F7E-F2AA90BF5516}"/>
+              </a:ext>
+            </a:extLst>
+          </p:cNvPr>
+          <p:cNvSpPr>
+            <a:spLocks noGrp="1"/>
+          </p:cNvSpPr>
+          <p:nvPr>
+            <p:ph type="title"/>
+          </p:nvPr>
+        </p:nvSpPr>
+        <p:spPr>
+          <a:xfrm>
+            <a:off x="518871" y="616077"/>
+            <a:ext cx="7854315" cy="369332"/>
+          </a:xfrm>
+        </p:spPr>
+        <p:txBody>
+          <a:bodyPr/>
+          <a:lstStyle/>
+          <a:p>
+            <a:r>
+              <a:rPr lang="fr-FR" dirty="0"/>
+              <a:t>RAPPORT AVEC </a:t>
+            </a:r>
+            <a:r>
+              <a:rPr lang="fr-FR" dirty="0" err="1"/>
+              <a:t>Evendently</a:t>
+            </a:r>
+            <a:r>
+              <a:rPr lang="fr-FR" dirty="0"/>
+              <a:t> </a:t>
+            </a:r>
+          </a:p>
+        </p:txBody>
+      </p:sp>
+      <p:sp>
+        <p:nvSpPr>
+          <p:cNvPr id="3" name="Espace réservé du texte 2">
+            <a:extLst>
+              <a:ext uri="{FF2B5EF4-FFF2-40B4-BE49-F238E27FC236}">
+                <a16:creationId xmlns:a16="http://schemas.microsoft.com/office/drawing/2014/main" id="{0A9C919B-571E-7C14-15BD-AA28166314AF}"/>
+              </a:ext>
+            </a:extLst>
+          </p:cNvPr>
+          <p:cNvSpPr>
+            <a:spLocks noGrp="1"/>
+          </p:cNvSpPr>
+          <p:nvPr>
+            <p:ph type="body" idx="1"/>
+          </p:nvPr>
+        </p:nvSpPr>
+        <p:spPr/>
+        <p:txBody>
+          <a:bodyPr/>
+          <a:lstStyle/>
+          <a:p>
+            <a:endParaRPr lang="fr-FR" dirty="0"/>
+          </a:p>
+        </p:txBody>
+      </p:sp>
+      <p:pic>
+        <p:nvPicPr>
+          <p:cNvPr id="5" name="Image 4">
+            <a:extLst>
+              <a:ext uri="{FF2B5EF4-FFF2-40B4-BE49-F238E27FC236}">
+                <a16:creationId xmlns:a16="http://schemas.microsoft.com/office/drawing/2014/main" id="{52189209-E4D0-AAF1-384A-220DC84F62F8}"/>
+              </a:ext>
+            </a:extLst>
+          </p:cNvPr>
+          <p:cNvPicPr>
+            <a:picLocks noChangeAspect="1"/>
+          </p:cNvPicPr>
+          <p:nvPr/>
+        </p:nvPicPr>
+        <p:blipFill>
+          <a:blip r:embed="rId2"/>
+          <a:stretch>
+            <a:fillRect/>
+          </a:stretch>
+        </p:blipFill>
+        <p:spPr>
+          <a:xfrm>
+            <a:off x="518871" y="1650007"/>
+            <a:ext cx="9982200" cy="4319171"/>
+          </a:xfrm>
+          <a:prstGeom prst="rect">
+            <a:avLst/>
+          </a:prstGeom>
+        </p:spPr>
+      </p:pic>
+    </p:spTree>
+    <p:extLst>
+      <p:ext uri="{BB962C8B-B14F-4D97-AF65-F5344CB8AC3E}">
+        <p14:creationId xmlns:p14="http://schemas.microsoft.com/office/powerpoint/2010/main" val="2169010120"/>
+      </p:ext>
+    </p:extLst>
+  </p:cSld>
+  <p:clrMapOvr>
+    <a:masterClrMapping/>
+  </p:clrMapOvr>
+</p:sld>
+</file>
+
+<file path=ppt/slides/slide13.xml><?xml version="1.0" encoding="utf-8"?>
 <p:sld xmlns:a="http://schemas.openxmlformats.org/drawingml/2006/main" xmlns:r="http://schemas.openxmlformats.org/officeDocument/2006/relationships" xmlns:p="http://schemas.openxmlformats.org/presentationml/2006/main">
   <p:cSld>
     <p:spTree>
@@ -2659,7 +2918,7 @@
         <p:spPr>
           <a:xfrm>
             <a:off x="9288906" y="2229383"/>
-            <a:ext cx="1355725" cy="581660"/>
+            <a:ext cx="1683894" cy="612347"/>
           </a:xfrm>
           <a:prstGeom prst="rect">
             <a:avLst/>
@@ -2709,7 +2968,7 @@
               </a:rPr>
               <a:t>:</a:t>
             </a:r>
-            <a:endParaRPr sz="1050">
+            <a:endParaRPr sz="1050" dirty="0">
               <a:latin typeface="Trebuchet MS"/>
               <a:cs typeface="Trebuchet MS"/>
             </a:endParaRPr>
@@ -2744,6 +3003,93 @@
               <a:t> </a:t>
             </a:r>
             <a:r>
+              <a:rPr lang="fr-FR" sz="1050" spc="-65" dirty="0">
+                <a:solidFill>
+                  <a:srgbClr val="FF0000"/>
+                </a:solidFill>
+                <a:latin typeface="Trebuchet MS"/>
+                <a:cs typeface="Trebuchet MS"/>
+              </a:rPr>
+              <a:t>cout </a:t>
+            </a:r>
+            <a:r>
+              <a:rPr lang="fr-FR" sz="1050" spc="-65" dirty="0" err="1">
+                <a:solidFill>
+                  <a:srgbClr val="FF0000"/>
+                </a:solidFill>
+                <a:latin typeface="Trebuchet MS"/>
+                <a:cs typeface="Trebuchet MS"/>
+              </a:rPr>
+              <a:t>metier</a:t>
+            </a:r>
+            <a:r>
+              <a:rPr sz="1050" spc="-35" dirty="0">
+                <a:solidFill>
+                  <a:srgbClr val="FF0000"/>
+                </a:solidFill>
+                <a:latin typeface="Trebuchet MS"/>
+                <a:cs typeface="Trebuchet MS"/>
+              </a:rPr>
+              <a:t> </a:t>
+            </a:r>
+            <a:r>
+              <a:rPr lang="fr-FR" sz="1050" spc="-25" dirty="0">
+                <a:solidFill>
+                  <a:srgbClr val="FF0000"/>
+                </a:solidFill>
+                <a:latin typeface="Trebuchet MS"/>
+                <a:cs typeface="Trebuchet MS"/>
+              </a:rPr>
+              <a:t>0.52</a:t>
+            </a:r>
+            <a:r>
+              <a:rPr sz="1050" spc="-25" dirty="0">
+                <a:solidFill>
+                  <a:srgbClr val="FF0000"/>
+                </a:solidFill>
+                <a:latin typeface="Trebuchet MS"/>
+                <a:cs typeface="Trebuchet MS"/>
+              </a:rPr>
+              <a:t> </a:t>
+            </a:r>
+            <a:endParaRPr lang="fr-FR" sz="1050" spc="-25" dirty="0">
+              <a:solidFill>
+                <a:srgbClr val="FF0000"/>
+              </a:solidFill>
+              <a:latin typeface="Trebuchet MS"/>
+              <a:cs typeface="Trebuchet MS"/>
+            </a:endParaRPr>
+          </a:p>
+          <a:p>
+            <a:pPr marL="12700" marR="5080" indent="25400">
+              <a:lnSpc>
+                <a:spcPct val="100000"/>
+              </a:lnSpc>
+              <a:spcBef>
+                <a:spcPts val="300"/>
+              </a:spcBef>
+            </a:pPr>
+            <a:r>
+              <a:rPr lang="fr-FR" sz="1050" spc="-25" dirty="0" err="1">
+                <a:solidFill>
+                  <a:srgbClr val="FF0000"/>
+                </a:solidFill>
+                <a:latin typeface="Trebuchet MS"/>
+                <a:cs typeface="Trebuchet MS"/>
+              </a:rPr>
+              <a:t>Acuracy</a:t>
+            </a:r>
+            <a:r>
+              <a:rPr lang="fr-FR" sz="1050" spc="-25" dirty="0">
+                <a:solidFill>
+                  <a:srgbClr val="FF0000"/>
+                </a:solidFill>
+                <a:latin typeface="Trebuchet MS"/>
+                <a:cs typeface="Trebuchet MS"/>
+              </a:rPr>
+              <a:t> </a:t>
+            </a:r>
+            <a:r>
               <a:rPr sz="1050" dirty="0">
                 <a:solidFill>
                   <a:srgbClr val="FF0000"/>
@@ -2751,7 +3097,7 @@
                 <a:latin typeface="Trebuchet MS"/>
                 <a:cs typeface="Trebuchet MS"/>
               </a:rPr>
-              <a:t>score</a:t>
+              <a:t>=</a:t>
             </a:r>
             <a:r>
               <a:rPr sz="1050" spc="-60" dirty="0">
@@ -2764,96 +3110,6 @@
               <a:t> </a:t>
             </a:r>
             <a:r>
-              <a:rPr sz="1050" dirty="0">
-                <a:solidFill>
-                  <a:srgbClr val="FF0000"/>
-                </a:solidFill>
-                <a:latin typeface="Trebuchet MS"/>
-                <a:cs typeface="Trebuchet MS"/>
-              </a:rPr>
-              <a:t>AUC</a:t>
-            </a:r>
-            <a:r>
-              <a:rPr sz="1050" spc="-35" dirty="0">
-                <a:solidFill>
-                  <a:srgbClr val="FF0000"/>
-                </a:solidFill>
-                <a:latin typeface="Trebuchet MS"/>
-                <a:cs typeface="Trebuchet MS"/>
-              </a:rPr>
-              <a:t> </a:t>
-            </a:r>
-            <a:r>
-              <a:rPr sz="1050" spc="-25" dirty="0">
-                <a:solidFill>
-                  <a:srgbClr val="FF0000"/>
-                </a:solidFill>
-                <a:latin typeface="Trebuchet MS"/>
-                <a:cs typeface="Trebuchet MS"/>
-              </a:rPr>
-              <a:t>du </a:t>
-            </a:r>
-            <a:r>
-              <a:rPr sz="1050" dirty="0">
-                <a:solidFill>
-                  <a:srgbClr val="FF0000"/>
-                </a:solidFill>
-                <a:latin typeface="Trebuchet MS"/>
-                <a:cs typeface="Trebuchet MS"/>
-              </a:rPr>
-              <a:t>concours</a:t>
-            </a:r>
-            <a:r>
-              <a:rPr sz="1050" spc="-85" dirty="0">
-                <a:solidFill>
-                  <a:srgbClr val="FF0000"/>
-                </a:solidFill>
-                <a:latin typeface="Trebuchet MS"/>
-                <a:cs typeface="Trebuchet MS"/>
-              </a:rPr>
-              <a:t> </a:t>
-            </a:r>
-            <a:r>
-              <a:rPr sz="1050" spc="-25" dirty="0">
-                <a:solidFill>
-                  <a:srgbClr val="FF0000"/>
-                </a:solidFill>
-                <a:latin typeface="Trebuchet MS"/>
-                <a:cs typeface="Trebuchet MS"/>
-              </a:rPr>
-              <a:t>Kaggle</a:t>
-            </a:r>
-            <a:r>
-              <a:rPr sz="1050" spc="-65" dirty="0">
-                <a:solidFill>
-                  <a:srgbClr val="FF0000"/>
-                </a:solidFill>
-                <a:latin typeface="Trebuchet MS"/>
-                <a:cs typeface="Trebuchet MS"/>
-              </a:rPr>
-              <a:t> </a:t>
-            </a:r>
-            <a:r>
-              <a:rPr sz="1050" dirty="0">
-                <a:solidFill>
-                  <a:srgbClr val="FF0000"/>
-                </a:solidFill>
-                <a:latin typeface="Trebuchet MS"/>
-                <a:cs typeface="Trebuchet MS"/>
-              </a:rPr>
-              <a:t>=</a:t>
-            </a:r>
-            <a:r>
-              <a:rPr sz="1050" spc="-60" dirty="0">
-                <a:solidFill>
-                  <a:srgbClr val="FF0000"/>
-                </a:solidFill>
-                <a:latin typeface="Trebuchet MS"/>
-                <a:cs typeface="Trebuchet MS"/>
-              </a:rPr>
-              <a:t> </a:t>
-            </a:r>
-            <a:r>
               <a:rPr sz="1050" spc="-20" dirty="0">
                 <a:solidFill>
                   <a:srgbClr val="FF0000"/>
@@ -2861,9 +3117,19 @@
                 <a:latin typeface="Trebuchet MS"/>
                 <a:cs typeface="Trebuchet MS"/>
               </a:rPr>
-              <a:t>0,82</a:t>
-            </a:r>
-            <a:endParaRPr sz="1050">
+              <a:t>0,</a:t>
+            </a:r>
+            <a:r>
+              <a:rPr lang="fr-FR" sz="1050" spc="-20" dirty="0">
+                <a:solidFill>
+                  <a:srgbClr val="FF0000"/>
+                </a:solidFill>
+                <a:latin typeface="Trebuchet MS"/>
+                <a:cs typeface="Trebuchet MS"/>
+              </a:rPr>
+              <a:t>73</a:t>
+            </a:r>
+            <a:endParaRPr sz="1050" dirty="0">
               <a:latin typeface="Trebuchet MS"/>
               <a:cs typeface="Trebuchet MS"/>
             </a:endParaRPr>
@@ -2878,7 +3144,7 @@
 </p:sld>
 </file>
 
-<file path=ppt/slides/slide12.xml><?xml version="1.0" encoding="utf-8"?>
+<file path=ppt/slides/slide14.xml><?xml version="1.0" encoding="utf-8"?>
 <p:sld xmlns:a="http://schemas.openxmlformats.org/drawingml/2006/main" xmlns:r="http://schemas.openxmlformats.org/officeDocument/2006/relationships" xmlns:p="http://schemas.openxmlformats.org/presentationml/2006/main">
   <p:cSld>
     <p:spTree>
@@ -2978,6 +3244,41 @@
           </a:prstGeom>
         </p:spPr>
       </p:pic>
+      <p:sp>
+        <p:nvSpPr>
+          <p:cNvPr id="3" name="ZoneTexte 2">
+            <a:extLst>
+              <a:ext uri="{FF2B5EF4-FFF2-40B4-BE49-F238E27FC236}">
+                <a16:creationId xmlns:a16="http://schemas.microsoft.com/office/drawing/2014/main" id="{508C939C-7049-C7CB-1731-5BFE580461CC}"/>
+              </a:ext>
+            </a:extLst>
+          </p:cNvPr>
+          <p:cNvSpPr txBox="1"/>
+          <p:nvPr/>
+        </p:nvSpPr>
+        <p:spPr>
+          <a:xfrm>
+            <a:off x="9677400" y="2438400"/>
+            <a:ext cx="1676400" cy="1477328"/>
+          </a:xfrm>
+          <a:prstGeom prst="rect">
+            <a:avLst/>
+          </a:prstGeom>
+          <a:noFill/>
+        </p:spPr>
+        <p:txBody>
+          <a:bodyPr wrap="square" rtlCol="0">
+            <a:spAutoFit/>
+          </a:bodyPr>
+          <a:lstStyle/>
+          <a:p>
+            <a:r>
+              <a:rPr lang="fr-FR"/>
+              <a:t>https://github.com/tapha10/projet-7-openclassroom</a:t>
+            </a:r>
+          </a:p>
+        </p:txBody>
+      </p:sp>
     </p:spTree>
   </p:cSld>
   <p:clrMapOvr>
